--- a/events/2018-neo-blockchain-vancouver/NEO Blockchain-Vancouver-20180314 Meetup-WIP.pptx
+++ b/events/2018-neo-blockchain-vancouver/NEO Blockchain-Vancouver-20180314 Meetup-WIP.pptx
@@ -3742,7 +3742,7 @@
           <a:p>
             <a:fld id="{8C96CAC6-5EE5-4DF8-BED8-337C55BC9982}" type="datetimeFigureOut">
               <a:rPr lang="en-CA" smtClean="0"/>
-              <a:t>2018-02-21</a:t>
+              <a:t>2018-02-22</a:t>
             </a:fld>
             <a:endParaRPr lang="en-CA"/>
           </a:p>
@@ -10045,7 +10045,7 @@
             </a:br>
             <a:r>
               <a:rPr lang="en-CA" sz="8800" dirty="0"/>
-              <a:t>TORONTO</a:t>
+              <a:t>VANCOUVER</a:t>
             </a:r>
           </a:p>
         </p:txBody>
@@ -10164,8 +10164,8 @@
         </p:blipFill>
         <p:spPr>
           <a:xfrm>
-            <a:off x="2540508" y="1343707"/>
-            <a:ext cx="5867400" cy="3070860"/>
+            <a:off x="2449068" y="1243584"/>
+            <a:ext cx="6058702" cy="3170983"/>
           </a:xfrm>
           <a:prstGeom prst="rect">
             <a:avLst/>
@@ -18684,7 +18684,7 @@
             </a:br>
             <a:r>
               <a:rPr lang="en-CA" sz="8800" dirty="0"/>
-              <a:t>TORONTO</a:t>
+              <a:t>VANCOUVER</a:t>
             </a:r>
           </a:p>
         </p:txBody>
@@ -21101,7 +21101,7 @@
           </a:ln>
           <a:extLst>
             <a:ext uri="{C572A759-6A51-4108-AA02-DFA0A04FC94B}">
-              <ma14:wrappingTextBoxFlag xmlns:ma14="http://schemas.microsoft.com/office/mac/drawingml/2011/main" xmlns="" val="1"/>
+              <ma14:wrappingTextBoxFlag xmlns="" xmlns:ma14="http://schemas.microsoft.com/office/mac/drawingml/2011/main" val="1"/>
             </a:ext>
           </a:extLst>
         </p:spPr>
@@ -21144,7 +21144,7 @@
           </a:ln>
           <a:extLst>
             <a:ext uri="{C572A759-6A51-4108-AA02-DFA0A04FC94B}">
-              <ma14:wrappingTextBoxFlag xmlns:ma14="http://schemas.microsoft.com/office/mac/drawingml/2011/main" xmlns="" val="1"/>
+              <ma14:wrappingTextBoxFlag xmlns="" xmlns:ma14="http://schemas.microsoft.com/office/mac/drawingml/2011/main" val="1"/>
             </a:ext>
           </a:extLst>
         </p:spPr>
@@ -21188,7 +21188,7 @@
           </a:ln>
           <a:extLst>
             <a:ext uri="{C572A759-6A51-4108-AA02-DFA0A04FC94B}">
-              <ma14:wrappingTextBoxFlag xmlns:ma14="http://schemas.microsoft.com/office/mac/drawingml/2011/main" xmlns="" val="1"/>
+              <ma14:wrappingTextBoxFlag xmlns="" xmlns:ma14="http://schemas.microsoft.com/office/mac/drawingml/2011/main" val="1"/>
             </a:ext>
           </a:extLst>
         </p:spPr>
@@ -21232,7 +21232,7 @@
           </a:ln>
           <a:extLst>
             <a:ext uri="{C572A759-6A51-4108-AA02-DFA0A04FC94B}">
-              <ma14:wrappingTextBoxFlag xmlns:ma14="http://schemas.microsoft.com/office/mac/drawingml/2011/main" xmlns="" val="1"/>
+              <ma14:wrappingTextBoxFlag xmlns="" xmlns:ma14="http://schemas.microsoft.com/office/mac/drawingml/2011/main" val="1"/>
             </a:ext>
           </a:extLst>
         </p:spPr>

--- a/events/2018-neo-blockchain-vancouver/NEO Blockchain-Vancouver-20180314 Meetup-WIP.pptx
+++ b/events/2018-neo-blockchain-vancouver/NEO Blockchain-Vancouver-20180314 Meetup-WIP.pptx
@@ -3742,7 +3742,7 @@
           <a:p>
             <a:fld id="{8C96CAC6-5EE5-4DF8-BED8-337C55BC9982}" type="datetimeFigureOut">
               <a:rPr lang="en-CA" smtClean="0"/>
-              <a:t>2018-02-22</a:t>
+              <a:t>2018-02-23</a:t>
             </a:fld>
             <a:endParaRPr lang="en-CA"/>
           </a:p>
@@ -10081,7 +10081,15 @@
             <a:pPr algn="ctr"/>
             <a:r>
               <a:rPr lang="en-CA" dirty="0"/>
-              <a:t>“Genesis Block 0” Meetup – March 24, 2018</a:t>
+              <a:t>“Genesis Block 0” Meetup – </a:t>
+            </a:r>
+            <a:r>
+              <a:rPr lang="en-CA"/>
+              <a:t>March 14</a:t>
+            </a:r>
+            <a:r>
+              <a:rPr lang="en-CA" dirty="0"/>
+              <a:t>, 2018</a:t>
             </a:r>
           </a:p>
           <a:p>
@@ -21101,7 +21109,7 @@
           </a:ln>
           <a:extLst>
             <a:ext uri="{C572A759-6A51-4108-AA02-DFA0A04FC94B}">
-              <ma14:wrappingTextBoxFlag xmlns="" xmlns:ma14="http://schemas.microsoft.com/office/mac/drawingml/2011/main" val="1"/>
+              <ma14:wrappingTextBoxFlag xmlns:ma14="http://schemas.microsoft.com/office/mac/drawingml/2011/main" xmlns="" val="1"/>
             </a:ext>
           </a:extLst>
         </p:spPr>
@@ -21144,7 +21152,7 @@
           </a:ln>
           <a:extLst>
             <a:ext uri="{C572A759-6A51-4108-AA02-DFA0A04FC94B}">
-              <ma14:wrappingTextBoxFlag xmlns="" xmlns:ma14="http://schemas.microsoft.com/office/mac/drawingml/2011/main" val="1"/>
+              <ma14:wrappingTextBoxFlag xmlns:ma14="http://schemas.microsoft.com/office/mac/drawingml/2011/main" xmlns="" val="1"/>
             </a:ext>
           </a:extLst>
         </p:spPr>
@@ -21188,7 +21196,7 @@
           </a:ln>
           <a:extLst>
             <a:ext uri="{C572A759-6A51-4108-AA02-DFA0A04FC94B}">
-              <ma14:wrappingTextBoxFlag xmlns="" xmlns:ma14="http://schemas.microsoft.com/office/mac/drawingml/2011/main" val="1"/>
+              <ma14:wrappingTextBoxFlag xmlns:ma14="http://schemas.microsoft.com/office/mac/drawingml/2011/main" xmlns="" val="1"/>
             </a:ext>
           </a:extLst>
         </p:spPr>
@@ -21232,7 +21240,7 @@
           </a:ln>
           <a:extLst>
             <a:ext uri="{C572A759-6A51-4108-AA02-DFA0A04FC94B}">
-              <ma14:wrappingTextBoxFlag xmlns="" xmlns:ma14="http://schemas.microsoft.com/office/mac/drawingml/2011/main" val="1"/>
+              <ma14:wrappingTextBoxFlag xmlns:ma14="http://schemas.microsoft.com/office/mac/drawingml/2011/main" xmlns="" val="1"/>
             </a:ext>
           </a:extLst>
         </p:spPr>
